--- a/slide.pptx
+++ b/slide.pptx
@@ -27,6 +27,9 @@
     <p:sldId id="276" r:id="rId21"/>
     <p:sldId id="277" r:id="rId22"/>
     <p:sldId id="267" r:id="rId23"/>
+    <p:sldId id="279" r:id="rId24"/>
+    <p:sldId id="280" r:id="rId25"/>
+    <p:sldId id="281" r:id="rId26"/>
   </p:sldIdLst>
   <p:sldSz cx="12192000" cy="6858000"/>
   <p:notesSz cx="6858000" cy="9144000"/>
@@ -125,6 +128,11 @@
       </a:defRPr>
     </a:lvl9pPr>
   </p:defaultTextStyle>
+  <p:extLst>
+    <p:ext uri="{EFAFB233-063F-42B5-8137-9DF3F51BA10A}">
+      <p15:sldGuideLst xmlns:p15="http://schemas.microsoft.com/office/powerpoint/2012/main"/>
+    </p:ext>
+  </p:extLst>
 </p:presentation>
 </file>
 
@@ -3356,10 +3364,10 @@
         </p:nvGrpSpPr>
         <p:grpSpPr>
           <a:xfrm>
-            <a:off x="3444535" y="2200552"/>
-            <a:ext cx="6693764" cy="2208320"/>
+            <a:off x="3179685" y="2324840"/>
+            <a:ext cx="5832630" cy="2208320"/>
             <a:chOff x="2840854" y="3065016"/>
-            <a:chExt cx="6693764" cy="2208320"/>
+            <a:chExt cx="5832630" cy="2208320"/>
           </a:xfrm>
         </p:grpSpPr>
         <p:sp>
@@ -3432,7 +3440,7 @@
           <p:spPr>
             <a:xfrm>
               <a:off x="3568823" y="3615178"/>
-              <a:ext cx="5965795" cy="1107996"/>
+              <a:ext cx="5104661" cy="1107996"/>
             </a:xfrm>
             <a:prstGeom prst="rect">
               <a:avLst/>
@@ -3624,7 +3632,7 @@
             <a:r>
               <a:rPr lang="en-US">
                 <a:solidFill>
-                  <a:schemeClr val="accent6"/>
+                  <a:srgbClr val="00B050"/>
                 </a:solidFill>
               </a:rPr>
               <a:t>Constructor constructor = MyObject.class.getConstructor(String.class);</a:t>
@@ -3637,7 +3645,7 @@
             <a:r>
               <a:rPr lang="en-US">
                 <a:solidFill>
-                  <a:schemeClr val="accent6"/>
+                  <a:srgbClr val="00B050"/>
                 </a:solidFill>
               </a:rPr>
               <a:t>MyObject myObject = (MyObject)</a:t>
@@ -3650,7 +3658,7 @@
             <a:r>
               <a:rPr lang="en-US">
                 <a:solidFill>
-                  <a:schemeClr val="accent6"/>
+                  <a:srgbClr val="00B050"/>
                 </a:solidFill>
               </a:rPr>
               <a:t>        constructor.newInstance("constructor-arg1");</a:t>
@@ -3831,10 +3839,20 @@
             <a:r>
               <a:rPr lang="en-US">
                 <a:solidFill>
-                  <a:schemeClr val="accent6"/>
-                </a:solidFill>
-              </a:rPr>
-              <a:t>Class aClass = ...//obtain class object</a:t>
+                  <a:srgbClr val="00B050"/>
+                </a:solidFill>
+              </a:rPr>
+              <a:t>Class aClass = ... </a:t>
+            </a:r>
+            <a:r>
+              <a:rPr lang="en-US">
+                <a:solidFill>
+                  <a:schemeClr val="accent2">
+                    <a:lumMod val="75000"/>
+                  </a:schemeClr>
+                </a:solidFill>
+              </a:rPr>
+              <a:t>//obtain class object</a:t>
             </a:r>
           </a:p>
           <a:p>
@@ -3844,7 +3862,7 @@
             <a:r>
               <a:rPr lang="en-US">
                 <a:solidFill>
-                  <a:schemeClr val="accent6"/>
+                  <a:srgbClr val="00B050"/>
                 </a:solidFill>
               </a:rPr>
               <a:t>Field[] fields = aClass.getFields();</a:t>
@@ -3863,12 +3881,11 @@
             <a:r>
               <a:rPr lang="en-US">
                 <a:solidFill>
-                  <a:schemeClr val="accent6"/>
+                  <a:srgbClr val="00B050"/>
                 </a:solidFill>
               </a:rPr>
               <a:t>Field field = aClass.getField("someField");</a:t>
             </a:r>
-            <a:endParaRPr lang="en-US"/>
           </a:p>
         </p:txBody>
       </p:sp>
@@ -4039,10 +4056,20 @@
             <a:r>
               <a:rPr lang="en-US">
                 <a:solidFill>
-                  <a:schemeClr val="accent6"/>
-                </a:solidFill>
-              </a:rPr>
-              <a:t>Field field = ... //obtain field object</a:t>
+                  <a:srgbClr val="00B050"/>
+                </a:solidFill>
+              </a:rPr>
+              <a:t>Field field = ... </a:t>
+            </a:r>
+            <a:r>
+              <a:rPr lang="en-US">
+                <a:solidFill>
+                  <a:schemeClr val="accent2">
+                    <a:lumMod val="75000"/>
+                  </a:schemeClr>
+                </a:solidFill>
+              </a:rPr>
+              <a:t>//obtain field object</a:t>
             </a:r>
           </a:p>
           <a:p>
@@ -4052,7 +4079,7 @@
             <a:r>
               <a:rPr lang="en-US">
                 <a:solidFill>
-                  <a:schemeClr val="accent6"/>
+                  <a:srgbClr val="00B050"/>
                 </a:solidFill>
               </a:rPr>
               <a:t>String fieldName = field.getName();</a:t>
@@ -4065,7 +4092,7 @@
             <a:r>
               <a:rPr lang="en-US">
                 <a:solidFill>
-                  <a:schemeClr val="accent6"/>
+                  <a:srgbClr val="00B050"/>
                 </a:solidFill>
               </a:rPr>
               <a:t>Object fieldType = field.getType();</a:t>
@@ -4240,7 +4267,7 @@
             <a:r>
               <a:rPr lang="en-US">
                 <a:solidFill>
-                  <a:schemeClr val="accent6"/>
+                  <a:srgbClr val="00B050"/>
                 </a:solidFill>
               </a:rPr>
               <a:t>Class  aClass = MyObject.class</a:t>
@@ -4253,7 +4280,7 @@
             <a:r>
               <a:rPr lang="en-US">
                 <a:solidFill>
-                  <a:schemeClr val="accent6"/>
+                  <a:srgbClr val="00B050"/>
                 </a:solidFill>
               </a:rPr>
               <a:t>Field field = aClass.getField("someField");</a:t>
@@ -4266,10 +4293,20 @@
             <a:r>
               <a:rPr lang="en-US">
                 <a:solidFill>
-                  <a:schemeClr val="accent6"/>
-                </a:solidFill>
-              </a:rPr>
-              <a:t>MyObject objectInstance = new MyObject(); //create new instance</a:t>
+                  <a:srgbClr val="00B050"/>
+                </a:solidFill>
+              </a:rPr>
+              <a:t>MyObject objectInstance = new MyObject(); </a:t>
+            </a:r>
+            <a:r>
+              <a:rPr lang="en-US">
+                <a:solidFill>
+                  <a:schemeClr val="accent2">
+                    <a:lumMod val="75000"/>
+                  </a:schemeClr>
+                </a:solidFill>
+              </a:rPr>
+              <a:t>//create new instance</a:t>
             </a:r>
           </a:p>
           <a:p>
@@ -4279,10 +4316,20 @@
             <a:r>
               <a:rPr lang="en-US">
                 <a:solidFill>
-                  <a:schemeClr val="accent6"/>
-                </a:solidFill>
-              </a:rPr>
-              <a:t>Object value = field.get(objectInstance); //get value of instance by field</a:t>
+                  <a:srgbClr val="00B050"/>
+                </a:solidFill>
+              </a:rPr>
+              <a:t>Object value = field.get(objectInstance); </a:t>
+            </a:r>
+            <a:r>
+              <a:rPr lang="en-US">
+                <a:solidFill>
+                  <a:schemeClr val="accent2">
+                    <a:lumMod val="75000"/>
+                  </a:schemeClr>
+                </a:solidFill>
+              </a:rPr>
+              <a:t>//get value of instance by field</a:t>
             </a:r>
           </a:p>
           <a:p>
@@ -4292,10 +4339,20 @@
             <a:r>
               <a:rPr lang="en-US">
                 <a:solidFill>
-                  <a:schemeClr val="accent6"/>
-                </a:solidFill>
-              </a:rPr>
-              <a:t>field.set(objetInstance, value); //set value of instance with value</a:t>
+                  <a:srgbClr val="00B050"/>
+                </a:solidFill>
+              </a:rPr>
+              <a:t>field.set(objetInstance, value); </a:t>
+            </a:r>
+            <a:r>
+              <a:rPr lang="en-US">
+                <a:solidFill>
+                  <a:schemeClr val="accent2">
+                    <a:lumMod val="75000"/>
+                  </a:schemeClr>
+                </a:solidFill>
+              </a:rPr>
+              <a:t>//set value of instance with value</a:t>
             </a:r>
           </a:p>
         </p:txBody>
@@ -4467,10 +4524,20 @@
             <a:r>
               <a:rPr lang="en-US">
                 <a:solidFill>
-                  <a:schemeClr val="accent6"/>
-                </a:solidFill>
-              </a:rPr>
-              <a:t>Class aClass = ...//obtain class object</a:t>
+                  <a:srgbClr val="00B050"/>
+                </a:solidFill>
+              </a:rPr>
+              <a:t>Class aClass = ... </a:t>
+            </a:r>
+            <a:r>
+              <a:rPr lang="en-US">
+                <a:solidFill>
+                  <a:schemeClr val="accent2">
+                    <a:lumMod val="75000"/>
+                  </a:schemeClr>
+                </a:solidFill>
+              </a:rPr>
+              <a:t>//obtain class object</a:t>
             </a:r>
           </a:p>
           <a:p>
@@ -4480,7 +4547,7 @@
             <a:r>
               <a:rPr lang="en-US">
                 <a:solidFill>
-                  <a:schemeClr val="accent6"/>
+                  <a:srgbClr val="00B050"/>
                 </a:solidFill>
               </a:rPr>
               <a:t>Method[] methods = aClass.getMethods();</a:t>
@@ -4499,7 +4566,7 @@
             <a:r>
               <a:rPr lang="en-US">
                 <a:solidFill>
-                  <a:schemeClr val="accent6"/>
+                  <a:srgbClr val="00B050"/>
                 </a:solidFill>
               </a:rPr>
               <a:t>Method method =</a:t>
@@ -4512,7 +4579,7 @@
             <a:r>
               <a:rPr lang="en-US">
                 <a:solidFill>
-                  <a:schemeClr val="accent6"/>
+                  <a:srgbClr val="00B050"/>
                 </a:solidFill>
               </a:rPr>
               <a:t>    aClass.getMethod("doSomething", new Class[]{String.class});</a:t>
@@ -4687,7 +4754,9 @@
             <a:r>
               <a:rPr lang="en-US">
                 <a:solidFill>
-                  <a:schemeClr val="accent6"/>
+                  <a:schemeClr val="accent2">
+                    <a:lumMod val="75000"/>
+                  </a:schemeClr>
                 </a:solidFill>
               </a:rPr>
               <a:t>//get method that takes a String as argument</a:t>
@@ -4700,7 +4769,7 @@
             <a:r>
               <a:rPr lang="en-US">
                 <a:solidFill>
-                  <a:schemeClr val="accent6"/>
+                  <a:srgbClr val="00B050"/>
                 </a:solidFill>
               </a:rPr>
               <a:t>Method method = MyObject.class.getMethod("doSomething", String.class);</a:t>
@@ -4713,7 +4782,9 @@
             <a:r>
               <a:rPr lang="en-US">
                 <a:solidFill>
-                  <a:schemeClr val="accent6"/>
+                  <a:schemeClr val="accent2">
+                    <a:lumMod val="75000"/>
+                  </a:schemeClr>
                 </a:solidFill>
               </a:rPr>
               <a:t>//first param is null if method is static</a:t>
@@ -4726,7 +4797,7 @@
             <a:r>
               <a:rPr lang="en-US">
                 <a:solidFill>
-                  <a:schemeClr val="accent6"/>
+                  <a:srgbClr val="00B050"/>
                 </a:solidFill>
               </a:rPr>
               <a:t>Object returnValue = method.invoke(null, "parameter-value1");</a:t>
@@ -4901,12 +4972,11 @@
             <a:r>
               <a:rPr lang="en-US">
                 <a:solidFill>
-                  <a:schemeClr val="accent6"/>
+                  <a:srgbClr val="00B050"/>
                 </a:solidFill>
               </a:rPr>
               <a:t>Class.getDeclaredFields() </a:t>
             </a:r>
-            <a:endParaRPr lang="en-US"/>
           </a:p>
           <a:p>
             <a:pPr marL="0" indent="0">
@@ -4915,7 +4985,7 @@
             <a:r>
               <a:rPr lang="en-US">
                 <a:solidFill>
-                  <a:schemeClr val="accent6"/>
+                  <a:srgbClr val="00B050"/>
                 </a:solidFill>
               </a:rPr>
               <a:t>Class.getDeclaredField(String name)</a:t>
@@ -6357,12 +6427,11 @@
             <a:r>
               <a:rPr lang="en-US">
                 <a:solidFill>
-                  <a:schemeClr val="accent6"/>
+                  <a:srgbClr val="00B050"/>
                 </a:solidFill>
               </a:rPr>
               <a:t>Class.getDeclaredMethods() </a:t>
             </a:r>
-            <a:endParaRPr lang="en-US"/>
           </a:p>
           <a:p>
             <a:pPr marL="0" indent="0">
@@ -6371,7 +6440,7 @@
             <a:r>
               <a:rPr lang="en-US">
                 <a:solidFill>
-                  <a:schemeClr val="accent6"/>
+                  <a:srgbClr val="00B050"/>
                 </a:solidFill>
               </a:rPr>
               <a:t>Class.getDeclaredMethod(String name)</a:t>
@@ -8353,6 +8422,541 @@
 </p:sld>
 </file>
 
+<file path=ppt/slides/slide23.xml><?xml version="1.0" encoding="utf-8"?>
+<p:sld xmlns:a="http://schemas.openxmlformats.org/drawingml/2006/main" xmlns:r="http://schemas.openxmlformats.org/officeDocument/2006/relationships" xmlns:p="http://schemas.openxmlformats.org/presentationml/2006/main">
+  <p:cSld>
+    <p:spTree>
+      <p:nvGrpSpPr>
+        <p:cNvPr id="1" name=""/>
+        <p:cNvGrpSpPr/>
+        <p:nvPr/>
+      </p:nvGrpSpPr>
+      <p:grpSpPr>
+        <a:xfrm>
+          <a:off x="0" y="0"/>
+          <a:ext cx="0" cy="0"/>
+          <a:chOff x="0" y="0"/>
+          <a:chExt cx="0" cy="0"/>
+        </a:xfrm>
+      </p:grpSpPr>
+      <p:sp>
+        <p:nvSpPr>
+          <p:cNvPr id="2" name="Title 1">
+            <a:extLst>
+              <a:ext uri="{FF2B5EF4-FFF2-40B4-BE49-F238E27FC236}">
+                <a16:creationId xmlns:a16="http://schemas.microsoft.com/office/drawing/2014/main" id="{6283A7C2-0EC9-4CCD-8AD2-92C2EBEC74DF}"/>
+              </a:ext>
+            </a:extLst>
+          </p:cNvPr>
+          <p:cNvSpPr>
+            <a:spLocks noGrp="1"/>
+          </p:cNvSpPr>
+          <p:nvPr>
+            <p:ph type="title"/>
+          </p:nvPr>
+        </p:nvSpPr>
+        <p:spPr/>
+        <p:txBody>
+          <a:bodyPr/>
+          <a:lstStyle/>
+          <a:p>
+            <a:r>
+              <a:rPr lang="en-US" b="1">
+                <a:solidFill>
+                  <a:srgbClr val="0070C0"/>
+                </a:solidFill>
+                <a:latin typeface="+mn-lt"/>
+              </a:rPr>
+              <a:t>5. Nh</a:t>
+            </a:r>
+            <a:r>
+              <a:rPr lang="vi-VN" b="1">
+                <a:solidFill>
+                  <a:srgbClr val="0070C0"/>
+                </a:solidFill>
+                <a:latin typeface="+mn-lt"/>
+              </a:rPr>
+              <a:t>ư</a:t>
+            </a:r>
+            <a:r>
+              <a:rPr lang="en-US" b="1">
+                <a:solidFill>
+                  <a:srgbClr val="0070C0"/>
+                </a:solidFill>
+                <a:latin typeface="+mn-lt"/>
+              </a:rPr>
+              <a:t>ợc điểm</a:t>
+            </a:r>
+          </a:p>
+        </p:txBody>
+      </p:sp>
+      <p:sp>
+        <p:nvSpPr>
+          <p:cNvPr id="3" name="Content Placeholder 2">
+            <a:extLst>
+              <a:ext uri="{FF2B5EF4-FFF2-40B4-BE49-F238E27FC236}">
+                <a16:creationId xmlns:a16="http://schemas.microsoft.com/office/drawing/2014/main" id="{9A30D82A-5838-4EF6-8FCE-AC26BE5213B0}"/>
+              </a:ext>
+            </a:extLst>
+          </p:cNvPr>
+          <p:cNvSpPr>
+            <a:spLocks noGrp="1"/>
+          </p:cNvSpPr>
+          <p:nvPr>
+            <p:ph idx="1"/>
+          </p:nvPr>
+        </p:nvSpPr>
+        <p:spPr>
+          <a:xfrm>
+            <a:off x="838200" y="1690688"/>
+            <a:ext cx="10356542" cy="4351338"/>
+          </a:xfrm>
+        </p:spPr>
+        <p:txBody>
+          <a:bodyPr>
+            <a:noAutofit/>
+          </a:bodyPr>
+          <a:lstStyle/>
+          <a:p>
+            <a:pPr marL="0" indent="0" fontAlgn="base">
+              <a:buNone/>
+            </a:pPr>
+            <a:r>
+              <a:rPr lang="vi-VN" sz="3200">
+                <a:latin typeface="Calibri" panose="020F0502020204030204" pitchFamily="34" charset="0"/>
+                <a:cs typeface="Calibri" panose="020F0502020204030204" pitchFamily="34" charset="0"/>
+              </a:rPr>
+              <a:t>Trong trường hợp đã biết rõ cấu trúc class, có quyền truy cập các field, method thì ta không nên sử dụng Java Reflection bởi các lý do sau:</a:t>
+            </a:r>
+          </a:p>
+          <a:p>
+            <a:pPr fontAlgn="base"/>
+            <a:r>
+              <a:rPr lang="vi-VN" sz="3200" b="1">
+                <a:latin typeface="Calibri" panose="020F0502020204030204" pitchFamily="34" charset="0"/>
+                <a:cs typeface="Calibri" panose="020F0502020204030204" pitchFamily="34" charset="0"/>
+              </a:rPr>
+              <a:t>Hiệu năng thấp:</a:t>
+            </a:r>
+            <a:r>
+              <a:rPr lang="vi-VN" sz="3200">
+                <a:latin typeface="Calibri" panose="020F0502020204030204" pitchFamily="34" charset="0"/>
+                <a:cs typeface="Calibri" panose="020F0502020204030204" pitchFamily="34" charset="0"/>
+              </a:rPr>
+              <a:t> </a:t>
+            </a:r>
+            <a:r>
+              <a:rPr lang="en-US" sz="3200">
+                <a:latin typeface="Calibri" panose="020F0502020204030204" pitchFamily="34" charset="0"/>
+                <a:cs typeface="Calibri" panose="020F0502020204030204" pitchFamily="34" charset="0"/>
+              </a:rPr>
+              <a:t>đôi khi </a:t>
+            </a:r>
+            <a:r>
+              <a:rPr lang="vi-VN" sz="3200">
+                <a:latin typeface="Calibri" panose="020F0502020204030204" pitchFamily="34" charset="0"/>
+                <a:cs typeface="Calibri" panose="020F0502020204030204" pitchFamily="34" charset="0"/>
+              </a:rPr>
+              <a:t>phải quét classpath để tìm class.</a:t>
+            </a:r>
+          </a:p>
+          <a:p>
+            <a:pPr fontAlgn="base"/>
+            <a:r>
+              <a:rPr lang="vi-VN" sz="3200" b="1">
+                <a:latin typeface="Calibri" panose="020F0502020204030204" pitchFamily="34" charset="0"/>
+                <a:cs typeface="Calibri" panose="020F0502020204030204" pitchFamily="34" charset="0"/>
+              </a:rPr>
+              <a:t>Các vấn đề bảo mật:</a:t>
+            </a:r>
+            <a:r>
+              <a:rPr lang="vi-VN" sz="3200">
+                <a:latin typeface="Calibri" panose="020F0502020204030204" pitchFamily="34" charset="0"/>
+                <a:cs typeface="Calibri" panose="020F0502020204030204" pitchFamily="34" charset="0"/>
+              </a:rPr>
+              <a:t> Việc chỉnh sửa class/object trong quá trình runtime có thể ảnh hưởng tới các thread … khiến cho ứng dụng bị fail.</a:t>
+            </a:r>
+          </a:p>
+        </p:txBody>
+      </p:sp>
+    </p:spTree>
+    <p:extLst>
+      <p:ext uri="{BB962C8B-B14F-4D97-AF65-F5344CB8AC3E}">
+        <p14:creationId xmlns:p14="http://schemas.microsoft.com/office/powerpoint/2010/main" val="887574219"/>
+      </p:ext>
+    </p:extLst>
+  </p:cSld>
+  <p:clrMapOvr>
+    <a:masterClrMapping/>
+  </p:clrMapOvr>
+</p:sld>
+</file>
+
+<file path=ppt/slides/slide24.xml><?xml version="1.0" encoding="utf-8"?>
+<p:sld xmlns:a="http://schemas.openxmlformats.org/drawingml/2006/main" xmlns:r="http://schemas.openxmlformats.org/officeDocument/2006/relationships" xmlns:p="http://schemas.openxmlformats.org/presentationml/2006/main">
+  <p:cSld>
+    <p:spTree>
+      <p:nvGrpSpPr>
+        <p:cNvPr id="1" name=""/>
+        <p:cNvGrpSpPr/>
+        <p:nvPr/>
+      </p:nvGrpSpPr>
+      <p:grpSpPr>
+        <a:xfrm>
+          <a:off x="0" y="0"/>
+          <a:ext cx="0" cy="0"/>
+          <a:chOff x="0" y="0"/>
+          <a:chExt cx="0" cy="0"/>
+        </a:xfrm>
+      </p:grpSpPr>
+      <p:sp>
+        <p:nvSpPr>
+          <p:cNvPr id="2" name="Title 1">
+            <a:extLst>
+              <a:ext uri="{FF2B5EF4-FFF2-40B4-BE49-F238E27FC236}">
+                <a16:creationId xmlns:a16="http://schemas.microsoft.com/office/drawing/2014/main" id="{6283A7C2-0EC9-4CCD-8AD2-92C2EBEC74DF}"/>
+              </a:ext>
+            </a:extLst>
+          </p:cNvPr>
+          <p:cNvSpPr>
+            <a:spLocks noGrp="1"/>
+          </p:cNvSpPr>
+          <p:nvPr>
+            <p:ph type="title"/>
+          </p:nvPr>
+        </p:nvSpPr>
+        <p:spPr/>
+        <p:txBody>
+          <a:bodyPr/>
+          <a:lstStyle/>
+          <a:p>
+            <a:r>
+              <a:rPr lang="en-US" b="1">
+                <a:solidFill>
+                  <a:srgbClr val="0070C0"/>
+                </a:solidFill>
+                <a:latin typeface="Calibri" panose="020F0502020204030204" pitchFamily="34" charset="0"/>
+                <a:cs typeface="Calibri" panose="020F0502020204030204" pitchFamily="34" charset="0"/>
+              </a:rPr>
+              <a:t>5. Nh</a:t>
+            </a:r>
+            <a:r>
+              <a:rPr lang="vi-VN" b="1">
+                <a:solidFill>
+                  <a:srgbClr val="0070C0"/>
+                </a:solidFill>
+                <a:latin typeface="Calibri" panose="020F0502020204030204" pitchFamily="34" charset="0"/>
+                <a:cs typeface="Calibri" panose="020F0502020204030204" pitchFamily="34" charset="0"/>
+              </a:rPr>
+              <a:t>ư</a:t>
+            </a:r>
+            <a:r>
+              <a:rPr lang="en-US" b="1">
+                <a:solidFill>
+                  <a:srgbClr val="0070C0"/>
+                </a:solidFill>
+                <a:latin typeface="Calibri" panose="020F0502020204030204" pitchFamily="34" charset="0"/>
+                <a:cs typeface="Calibri" panose="020F0502020204030204" pitchFamily="34" charset="0"/>
+              </a:rPr>
+              <a:t>ợc điểm</a:t>
+            </a:r>
+          </a:p>
+        </p:txBody>
+      </p:sp>
+      <p:sp>
+        <p:nvSpPr>
+          <p:cNvPr id="3" name="Content Placeholder 2">
+            <a:extLst>
+              <a:ext uri="{FF2B5EF4-FFF2-40B4-BE49-F238E27FC236}">
+                <a16:creationId xmlns:a16="http://schemas.microsoft.com/office/drawing/2014/main" id="{9A30D82A-5838-4EF6-8FCE-AC26BE5213B0}"/>
+              </a:ext>
+            </a:extLst>
+          </p:cNvPr>
+          <p:cNvSpPr>
+            <a:spLocks noGrp="1"/>
+          </p:cNvSpPr>
+          <p:nvPr>
+            <p:ph idx="1"/>
+          </p:nvPr>
+        </p:nvSpPr>
+        <p:spPr>
+          <a:xfrm>
+            <a:off x="838200" y="1690688"/>
+            <a:ext cx="10356542" cy="4351338"/>
+          </a:xfrm>
+        </p:spPr>
+        <p:txBody>
+          <a:bodyPr>
+            <a:noAutofit/>
+          </a:bodyPr>
+          <a:lstStyle/>
+          <a:p>
+            <a:pPr fontAlgn="base"/>
+            <a:r>
+              <a:rPr lang="vi-VN" sz="3200" b="1">
+                <a:latin typeface="Calibri" panose="020F0502020204030204" pitchFamily="34" charset="0"/>
+                <a:cs typeface="Calibri" panose="020F0502020204030204" pitchFamily="34" charset="0"/>
+              </a:rPr>
+              <a:t>Khó bảo trì:</a:t>
+            </a:r>
+            <a:r>
+              <a:rPr lang="vi-VN" sz="3200">
+                <a:latin typeface="Calibri" panose="020F0502020204030204" pitchFamily="34" charset="0"/>
+                <a:cs typeface="Calibri" panose="020F0502020204030204" pitchFamily="34" charset="0"/>
+              </a:rPr>
+              <a:t> Việc Reflection khá khó hiểu với người mới và không dễ để debug, nên sẽ rất khó để có thể tìm ra lỗi. Ngoài ra chúng ta cũng không thể check được một số lỗi trong quá trình compile (không tìm thấy class, không tìm thấy field…)</a:t>
+            </a:r>
+          </a:p>
+        </p:txBody>
+      </p:sp>
+    </p:spTree>
+    <p:extLst>
+      <p:ext uri="{BB962C8B-B14F-4D97-AF65-F5344CB8AC3E}">
+        <p14:creationId xmlns:p14="http://schemas.microsoft.com/office/powerpoint/2010/main" val="3305815196"/>
+      </p:ext>
+    </p:extLst>
+  </p:cSld>
+  <p:clrMapOvr>
+    <a:masterClrMapping/>
+  </p:clrMapOvr>
+</p:sld>
+</file>
+
+<file path=ppt/slides/slide25.xml><?xml version="1.0" encoding="utf-8"?>
+<p:sld xmlns:a="http://schemas.openxmlformats.org/drawingml/2006/main" xmlns:r="http://schemas.openxmlformats.org/officeDocument/2006/relationships" xmlns:p="http://schemas.openxmlformats.org/presentationml/2006/main">
+  <p:cSld>
+    <p:spTree>
+      <p:nvGrpSpPr>
+        <p:cNvPr id="1" name=""/>
+        <p:cNvGrpSpPr/>
+        <p:nvPr/>
+      </p:nvGrpSpPr>
+      <p:grpSpPr>
+        <a:xfrm>
+          <a:off x="0" y="0"/>
+          <a:ext cx="0" cy="0"/>
+          <a:chOff x="0" y="0"/>
+          <a:chExt cx="0" cy="0"/>
+        </a:xfrm>
+      </p:grpSpPr>
+      <p:sp>
+        <p:nvSpPr>
+          <p:cNvPr id="4" name="TextBox 3">
+            <a:extLst>
+              <a:ext uri="{FF2B5EF4-FFF2-40B4-BE49-F238E27FC236}">
+                <a16:creationId xmlns:a16="http://schemas.microsoft.com/office/drawing/2014/main" id="{CCCDE634-5D3D-493D-B1C0-BB573CA4CF11}"/>
+              </a:ext>
+            </a:extLst>
+          </p:cNvPr>
+          <p:cNvSpPr txBox="1"/>
+          <p:nvPr/>
+        </p:nvSpPr>
+        <p:spPr>
+          <a:xfrm>
+            <a:off x="2442839" y="2442536"/>
+            <a:ext cx="7306322" cy="646331"/>
+          </a:xfrm>
+          <a:prstGeom prst="rect">
+            <a:avLst/>
+          </a:prstGeom>
+          <a:noFill/>
+        </p:spPr>
+        <p:txBody>
+          <a:bodyPr wrap="square" rtlCol="0">
+            <a:spAutoFit/>
+          </a:bodyPr>
+          <a:lstStyle/>
+          <a:p>
+            <a:r>
+              <a:rPr lang="en-US" sz="3600" b="1">
+                <a:solidFill>
+                  <a:srgbClr val="0070C0"/>
+                </a:solidFill>
+                <a:latin typeface="Calibri" panose="020F0502020204030204" pitchFamily="34" charset="0"/>
+                <a:cs typeface="Calibri" panose="020F0502020204030204" pitchFamily="34" charset="0"/>
+              </a:rPr>
+              <a:t>CẢM </a:t>
+            </a:r>
+            <a:r>
+              <a:rPr lang="vi-VN" sz="3600" b="1">
+                <a:solidFill>
+                  <a:srgbClr val="0070C0"/>
+                </a:solidFill>
+                <a:latin typeface="Calibri" panose="020F0502020204030204" pitchFamily="34" charset="0"/>
+                <a:cs typeface="Calibri" panose="020F0502020204030204" pitchFamily="34" charset="0"/>
+              </a:rPr>
+              <a:t>Ơ</a:t>
+            </a:r>
+            <a:r>
+              <a:rPr lang="en-US" sz="3600" b="1">
+                <a:solidFill>
+                  <a:srgbClr val="0070C0"/>
+                </a:solidFill>
+                <a:latin typeface="Calibri" panose="020F0502020204030204" pitchFamily="34" charset="0"/>
+                <a:cs typeface="Calibri" panose="020F0502020204030204" pitchFamily="34" charset="0"/>
+              </a:rPr>
+              <a:t>N MỌI NGỪI ĐÃ LẮNG NGHE</a:t>
+            </a:r>
+          </a:p>
+        </p:txBody>
+      </p:sp>
+      <p:sp>
+        <p:nvSpPr>
+          <p:cNvPr id="5" name="TextBox 4">
+            <a:extLst>
+              <a:ext uri="{FF2B5EF4-FFF2-40B4-BE49-F238E27FC236}">
+                <a16:creationId xmlns:a16="http://schemas.microsoft.com/office/drawing/2014/main" id="{FEE0174B-170A-40B8-8511-A53AB90A8FFE}"/>
+              </a:ext>
+            </a:extLst>
+          </p:cNvPr>
+          <p:cNvSpPr txBox="1"/>
+          <p:nvPr/>
+        </p:nvSpPr>
+        <p:spPr>
+          <a:xfrm>
+            <a:off x="4786913" y="3408463"/>
+            <a:ext cx="2618173" cy="400110"/>
+          </a:xfrm>
+          <a:prstGeom prst="rect">
+            <a:avLst/>
+          </a:prstGeom>
+          <a:ln>
+            <a:noFill/>
+          </a:ln>
+        </p:spPr>
+        <p:style>
+          <a:lnRef idx="2">
+            <a:schemeClr val="accent4"/>
+          </a:lnRef>
+          <a:fillRef idx="1">
+            <a:schemeClr val="lt1"/>
+          </a:fillRef>
+          <a:effectRef idx="0">
+            <a:schemeClr val="accent4"/>
+          </a:effectRef>
+          <a:fontRef idx="minor">
+            <a:schemeClr val="dk1"/>
+          </a:fontRef>
+        </p:style>
+        <p:txBody>
+          <a:bodyPr wrap="square" rtlCol="0">
+            <a:spAutoFit/>
+          </a:bodyPr>
+          <a:lstStyle/>
+          <a:p>
+            <a:r>
+              <a:rPr lang="en-US" sz="2000">
+                <a:ln w="0"/>
+                <a:solidFill>
+                  <a:schemeClr val="accent2"/>
+                </a:solidFill>
+                <a:effectLst>
+                  <a:outerShdw blurRad="38100" dist="19050" dir="2700000" algn="tl" rotWithShape="0">
+                    <a:schemeClr val="dk1">
+                      <a:alpha val="40000"/>
+                    </a:schemeClr>
+                  </a:outerShdw>
+                </a:effectLst>
+                <a:latin typeface="Calibri" panose="020F0502020204030204" pitchFamily="34" charset="0"/>
+                <a:cs typeface="Calibri" panose="020F0502020204030204" pitchFamily="34" charset="0"/>
+              </a:rPr>
+              <a:t>Giờ tới l</a:t>
+            </a:r>
+            <a:r>
+              <a:rPr lang="vi-VN" sz="2000">
+                <a:ln w="0"/>
+                <a:solidFill>
+                  <a:schemeClr val="accent2"/>
+                </a:solidFill>
+                <a:effectLst>
+                  <a:outerShdw blurRad="38100" dist="19050" dir="2700000" algn="tl" rotWithShape="0">
+                    <a:schemeClr val="dk1">
+                      <a:alpha val="40000"/>
+                    </a:schemeClr>
+                  </a:outerShdw>
+                </a:effectLst>
+                <a:latin typeface="Calibri" panose="020F0502020204030204" pitchFamily="34" charset="0"/>
+                <a:cs typeface="Calibri" panose="020F0502020204030204" pitchFamily="34" charset="0"/>
+              </a:rPr>
+              <a:t>ư</a:t>
+            </a:r>
+            <a:r>
+              <a:rPr lang="en-US" sz="2000">
+                <a:ln w="0"/>
+                <a:solidFill>
+                  <a:schemeClr val="accent2"/>
+                </a:solidFill>
+                <a:effectLst>
+                  <a:outerShdw blurRad="38100" dist="19050" dir="2700000" algn="tl" rotWithShape="0">
+                    <a:schemeClr val="dk1">
+                      <a:alpha val="40000"/>
+                    </a:schemeClr>
+                  </a:outerShdw>
+                </a:effectLst>
+                <a:latin typeface="Calibri" panose="020F0502020204030204" pitchFamily="34" charset="0"/>
+                <a:cs typeface="Calibri" panose="020F0502020204030204" pitchFamily="34" charset="0"/>
+              </a:rPr>
+              <a:t>ợt Hưng Trần </a:t>
+            </a:r>
+          </a:p>
+        </p:txBody>
+      </p:sp>
+      <p:cxnSp>
+        <p:nvCxnSpPr>
+          <p:cNvPr id="7" name="Straight Connector 6">
+            <a:extLst>
+              <a:ext uri="{FF2B5EF4-FFF2-40B4-BE49-F238E27FC236}">
+                <a16:creationId xmlns:a16="http://schemas.microsoft.com/office/drawing/2014/main" id="{DCAA4A7B-D238-4059-8E55-5E682475A589}"/>
+              </a:ext>
+            </a:extLst>
+          </p:cNvPr>
+          <p:cNvCxnSpPr>
+            <a:cxnSpLocks/>
+          </p:cNvCxnSpPr>
+          <p:nvPr/>
+        </p:nvCxnSpPr>
+        <p:spPr>
+          <a:xfrm>
+            <a:off x="5291092" y="3178207"/>
+            <a:ext cx="1473693" cy="0"/>
+          </a:xfrm>
+          <a:prstGeom prst="line">
+            <a:avLst/>
+          </a:prstGeom>
+          <a:ln w="38100">
+            <a:solidFill>
+              <a:schemeClr val="accent1"/>
+            </a:solidFill>
+          </a:ln>
+        </p:spPr>
+        <p:style>
+          <a:lnRef idx="1">
+            <a:schemeClr val="accent1"/>
+          </a:lnRef>
+          <a:fillRef idx="0">
+            <a:schemeClr val="accent1"/>
+          </a:fillRef>
+          <a:effectRef idx="0">
+            <a:schemeClr val="accent1"/>
+          </a:effectRef>
+          <a:fontRef idx="minor">
+            <a:schemeClr val="tx1"/>
+          </a:fontRef>
+        </p:style>
+      </p:cxnSp>
+    </p:spTree>
+    <p:extLst>
+      <p:ext uri="{BB962C8B-B14F-4D97-AF65-F5344CB8AC3E}">
+        <p14:creationId xmlns:p14="http://schemas.microsoft.com/office/powerpoint/2010/main" val="3189581114"/>
+      </p:ext>
+    </p:extLst>
+  </p:cSld>
+  <p:clrMapOvr>
+    <a:masterClrMapping/>
+  </p:clrMapOvr>
+</p:sld>
+</file>
+
 <file path=ppt/slides/slide3.xml><?xml version="1.0" encoding="utf-8"?>
 <p:sld xmlns:a="http://schemas.openxmlformats.org/drawingml/2006/main" xmlns:r="http://schemas.openxmlformats.org/officeDocument/2006/relationships" xmlns:p="http://schemas.openxmlformats.org/presentationml/2006/main">
   <p:cSld>
@@ -9533,7 +10137,7 @@
             <a:r>
               <a:rPr lang="en-US">
                 <a:solidFill>
-                  <a:schemeClr val="accent6"/>
+                  <a:srgbClr val="00B050"/>
                 </a:solidFill>
               </a:rPr>
               <a:t>Class </a:t>
@@ -9541,7 +10145,7 @@
             <a:r>
               <a:rPr lang="en-US" err="1">
                 <a:solidFill>
-                  <a:schemeClr val="accent6"/>
+                  <a:srgbClr val="00B050"/>
                 </a:solidFill>
               </a:rPr>
               <a:t>myObjectClass</a:t>
@@ -9549,7 +10153,7 @@
             <a:r>
               <a:rPr lang="en-US">
                 <a:solidFill>
-                  <a:schemeClr val="accent6"/>
+                  <a:srgbClr val="00B050"/>
                 </a:solidFill>
               </a:rPr>
               <a:t> = </a:t>
@@ -9557,7 +10161,7 @@
             <a:r>
               <a:rPr lang="en-US" err="1">
                 <a:solidFill>
-                  <a:schemeClr val="accent6"/>
+                  <a:srgbClr val="00B050"/>
                 </a:solidFill>
               </a:rPr>
               <a:t>MyObject.class</a:t>
@@ -9565,7 +10169,7 @@
             <a:r>
               <a:rPr lang="en-US">
                 <a:solidFill>
-                  <a:schemeClr val="accent6"/>
+                  <a:srgbClr val="00B050"/>
                 </a:solidFill>
               </a:rPr>
               <a:t>;</a:t>
@@ -9612,7 +10216,7 @@
             <a:r>
               <a:rPr lang="en-US">
                 <a:solidFill>
-                  <a:schemeClr val="accent6"/>
+                  <a:srgbClr val="00B050"/>
                 </a:solidFill>
               </a:rPr>
               <a:t>String </a:t>
@@ -9620,7 +10224,7 @@
             <a:r>
               <a:rPr lang="en-US" err="1">
                 <a:solidFill>
-                  <a:schemeClr val="accent6"/>
+                  <a:srgbClr val="00B050"/>
                 </a:solidFill>
               </a:rPr>
               <a:t>className</a:t>
@@ -9628,68 +10232,62 @@
             <a:r>
               <a:rPr lang="en-US">
                 <a:solidFill>
-                  <a:schemeClr val="accent6"/>
-                </a:solidFill>
-              </a:rPr>
-              <a:t> = </a:t>
+                  <a:srgbClr val="00B050"/>
+                </a:solidFill>
+              </a:rPr>
+              <a:t> =… </a:t>
+            </a:r>
+            <a:r>
+              <a:rPr lang="en-US">
+                <a:solidFill>
+                  <a:schemeClr val="accent2">
+                    <a:lumMod val="75000"/>
+                  </a:schemeClr>
+                </a:solidFill>
+              </a:rPr>
+              <a:t>//get a string class name </a:t>
+            </a:r>
+          </a:p>
+          <a:p>
+            <a:pPr marL="0" indent="0">
+              <a:buNone/>
+            </a:pPr>
+            <a:r>
+              <a:rPr lang="en-US">
+                <a:solidFill>
+                  <a:srgbClr val="00B050"/>
+                </a:solidFill>
+              </a:rPr>
+              <a:t>Class class = </a:t>
             </a:r>
             <a:r>
               <a:rPr lang="en-US" err="1">
                 <a:solidFill>
-                  <a:schemeClr val="accent6"/>
-                </a:solidFill>
-              </a:rPr>
-              <a:t>getClassName</a:t>
+                  <a:srgbClr val="00B050"/>
+                </a:solidFill>
+              </a:rPr>
+              <a:t>Class.forName</a:t>
             </a:r>
             <a:r>
               <a:rPr lang="en-US">
                 <a:solidFill>
-                  <a:schemeClr val="accent6"/>
-                </a:solidFill>
-              </a:rPr>
-              <a:t>(); //get at run time</a:t>
-            </a:r>
-          </a:p>
-          <a:p>
-            <a:pPr marL="0" indent="0">
-              <a:buNone/>
-            </a:pPr>
+                  <a:srgbClr val="00B050"/>
+                </a:solidFill>
+              </a:rPr>
+              <a:t>(</a:t>
+            </a:r>
+            <a:r>
+              <a:rPr lang="en-US" err="1">
+                <a:solidFill>
+                  <a:srgbClr val="00B050"/>
+                </a:solidFill>
+              </a:rPr>
+              <a:t>className</a:t>
+            </a:r>
             <a:r>
               <a:rPr lang="en-US">
                 <a:solidFill>
-                  <a:schemeClr val="accent6"/>
-                </a:solidFill>
-              </a:rPr>
-              <a:t>Class class = </a:t>
-            </a:r>
-            <a:r>
-              <a:rPr lang="en-US" err="1">
-                <a:solidFill>
-                  <a:schemeClr val="accent6"/>
-                </a:solidFill>
-              </a:rPr>
-              <a:t>Class.forName</a:t>
-            </a:r>
-            <a:r>
-              <a:rPr lang="en-US">
-                <a:solidFill>
-                  <a:schemeClr val="accent6"/>
-                </a:solidFill>
-              </a:rPr>
-              <a:t>(</a:t>
-            </a:r>
-            <a:r>
-              <a:rPr lang="en-US" err="1">
-                <a:solidFill>
-                  <a:schemeClr val="accent6"/>
-                </a:solidFill>
-              </a:rPr>
-              <a:t>className</a:t>
-            </a:r>
-            <a:r>
-              <a:rPr lang="en-US">
-                <a:solidFill>
-                  <a:schemeClr val="accent6"/>
+                  <a:srgbClr val="00B050"/>
                 </a:solidFill>
               </a:rPr>
               <a:t>);</a:t>
@@ -9732,7 +10330,7 @@
             <a:r>
               <a:rPr lang="en-US">
                 <a:solidFill>
-                  <a:schemeClr val="accent6"/>
+                  <a:srgbClr val="00B050"/>
                 </a:solidFill>
               </a:rPr>
               <a:t>Class class = myInstance.getClass();</a:t>
@@ -9913,10 +10511,20 @@
             <a:r>
               <a:rPr lang="en-US">
                 <a:solidFill>
-                  <a:schemeClr val="accent6"/>
-                </a:solidFill>
-              </a:rPr>
-              <a:t>Class aClass = ...//obtain class object</a:t>
+                  <a:srgbClr val="00B050"/>
+                </a:solidFill>
+              </a:rPr>
+              <a:t>Class aClass = ... </a:t>
+            </a:r>
+            <a:r>
+              <a:rPr lang="en-US">
+                <a:solidFill>
+                  <a:schemeClr val="accent2">
+                    <a:lumMod val="75000"/>
+                  </a:schemeClr>
+                </a:solidFill>
+              </a:rPr>
+              <a:t>//obtain class object</a:t>
             </a:r>
           </a:p>
           <a:p>
@@ -9926,7 +10534,7 @@
             <a:r>
               <a:rPr lang="en-US">
                 <a:solidFill>
-                  <a:schemeClr val="accent6"/>
+                  <a:srgbClr val="00B050"/>
                 </a:solidFill>
               </a:rPr>
               <a:t>Constructor[] constructors = aClass.getConstructors();</a:t>
@@ -9945,10 +10553,10 @@
             <a:r>
               <a:rPr lang="en-US">
                 <a:solidFill>
-                  <a:schemeClr val="accent6"/>
-                </a:solidFill>
-              </a:rPr>
-              <a:t>Class aClass = ...//obtain class object</a:t>
+                  <a:srgbClr val="00B050"/>
+                </a:solidFill>
+              </a:rPr>
+              <a:t>Constructor constructor =</a:t>
             </a:r>
           </a:p>
           <a:p>
@@ -9958,20 +10566,7 @@
             <a:r>
               <a:rPr lang="en-US">
                 <a:solidFill>
-                  <a:schemeClr val="accent6"/>
-                </a:solidFill>
-              </a:rPr>
-              <a:t>Constructor constructor =</a:t>
-            </a:r>
-          </a:p>
-          <a:p>
-            <a:pPr marL="0" indent="0">
-              <a:buNone/>
-            </a:pPr>
-            <a:r>
-              <a:rPr lang="en-US">
-                <a:solidFill>
-                  <a:schemeClr val="accent6"/>
+                  <a:srgbClr val="00B050"/>
                 </a:solidFill>
               </a:rPr>
               <a:t>        aClass.getConstructor(new Class[]{String.class});</a:t>
